--- a/docker_tutorial.pptx
+++ b/docker_tutorial.pptx
@@ -5343,7 +5343,7 @@
                 <a:latin typeface="Times New Roman" panose="02020603050405020304" pitchFamily="18" charset="0"/>
                 <a:cs typeface="Times New Roman" panose="02020603050405020304" pitchFamily="18" charset="0"/>
               </a:rPr>
-              <a:t>Image</a:t>
+              <a:t>image</a:t>
             </a:r>
             <a:r>
               <a:rPr lang="ko-KR" altLang="en-US" sz="2000" dirty="0">
@@ -5599,7 +5599,7 @@
                 <a:latin typeface="Times New Roman" panose="02020603050405020304" pitchFamily="18" charset="0"/>
                 <a:cs typeface="Times New Roman" panose="02020603050405020304" pitchFamily="18" charset="0"/>
               </a:rPr>
-              <a:t>Image</a:t>
+              <a:t>image</a:t>
             </a:r>
             <a:r>
               <a:rPr lang="ko-KR" altLang="en-US" sz="2000" dirty="0">
@@ -5641,7 +5641,7 @@
                 <a:latin typeface="Times New Roman" panose="02020603050405020304" pitchFamily="18" charset="0"/>
                 <a:cs typeface="Times New Roman" panose="02020603050405020304" pitchFamily="18" charset="0"/>
               </a:rPr>
-              <a:t>Image</a:t>
+              <a:t>image</a:t>
             </a:r>
             <a:r>
               <a:rPr lang="ko-KR" altLang="en-US" sz="2000" dirty="0">
@@ -10479,11 +10479,121 @@
           </a:xfrm>
         </p:spPr>
         <p:txBody>
-          <a:bodyPr/>
+          <a:bodyPr>
+            <a:normAutofit fontScale="92500" lnSpcReduction="10000"/>
+          </a:bodyPr>
           <a:lstStyle/>
           <a:p>
-            <a:pPr marL="0" indent="0">
-              <a:buNone/>
+            <a:pPr>
+              <a:buFont typeface="Wingdings" panose="05000000000000000000" pitchFamily="2" charset="2"/>
+              <a:buChar char="§"/>
+            </a:pPr>
+            <a:r>
+              <a:rPr lang="en-US" altLang="ko-KR" dirty="0" err="1">
+                <a:latin typeface="Times New Roman" panose="02020603050405020304" pitchFamily="18" charset="0"/>
+                <a:cs typeface="Times New Roman" panose="02020603050405020304" pitchFamily="18" charset="0"/>
+              </a:rPr>
+              <a:t>Dockerfile</a:t>
+            </a:r>
+            <a:r>
+              <a:rPr lang="ko-KR" altLang="en-US" dirty="0">
+                <a:latin typeface="Times New Roman" panose="02020603050405020304" pitchFamily="18" charset="0"/>
+                <a:cs typeface="Times New Roman" panose="02020603050405020304" pitchFamily="18" charset="0"/>
+              </a:rPr>
+              <a:t>은 </a:t>
+            </a:r>
+            <a:r>
+              <a:rPr lang="en-US" altLang="ko-KR" dirty="0">
+                <a:latin typeface="Times New Roman" panose="02020603050405020304" pitchFamily="18" charset="0"/>
+                <a:cs typeface="Times New Roman" panose="02020603050405020304" pitchFamily="18" charset="0"/>
+              </a:rPr>
+              <a:t>docker</a:t>
+            </a:r>
+            <a:r>
+              <a:rPr lang="ko-KR" altLang="en-US" dirty="0">
+                <a:latin typeface="Times New Roman" panose="02020603050405020304" pitchFamily="18" charset="0"/>
+                <a:cs typeface="Times New Roman" panose="02020603050405020304" pitchFamily="18" charset="0"/>
+              </a:rPr>
+              <a:t>에서 이용하는 </a:t>
+            </a:r>
+            <a:r>
+              <a:rPr lang="en-US" altLang="ko-KR" dirty="0">
+                <a:latin typeface="Times New Roman" panose="02020603050405020304" pitchFamily="18" charset="0"/>
+                <a:cs typeface="Times New Roman" panose="02020603050405020304" pitchFamily="18" charset="0"/>
+              </a:rPr>
+              <a:t>image</a:t>
+            </a:r>
+            <a:r>
+              <a:rPr lang="ko-KR" altLang="en-US" dirty="0">
+                <a:latin typeface="Times New Roman" panose="02020603050405020304" pitchFamily="18" charset="0"/>
+                <a:cs typeface="Times New Roman" panose="02020603050405020304" pitchFamily="18" charset="0"/>
+              </a:rPr>
+              <a:t>를 기반으로 하여 새로운 </a:t>
+            </a:r>
+            <a:r>
+              <a:rPr lang="en-US" altLang="ko-KR" dirty="0">
+                <a:latin typeface="Times New Roman" panose="02020603050405020304" pitchFamily="18" charset="0"/>
+                <a:cs typeface="Times New Roman" panose="02020603050405020304" pitchFamily="18" charset="0"/>
+              </a:rPr>
+              <a:t>image</a:t>
+            </a:r>
+            <a:r>
+              <a:rPr lang="ko-KR" altLang="en-US" dirty="0">
+                <a:latin typeface="Times New Roman" panose="02020603050405020304" pitchFamily="18" charset="0"/>
+                <a:cs typeface="Times New Roman" panose="02020603050405020304" pitchFamily="18" charset="0"/>
+              </a:rPr>
+              <a:t>를 나만의 </a:t>
+            </a:r>
+            <a:r>
+              <a:rPr lang="en-US" altLang="ko-KR" dirty="0">
+                <a:latin typeface="Times New Roman" panose="02020603050405020304" pitchFamily="18" charset="0"/>
+                <a:cs typeface="Times New Roman" panose="02020603050405020304" pitchFamily="18" charset="0"/>
+              </a:rPr>
+              <a:t>image</a:t>
+            </a:r>
+            <a:r>
+              <a:rPr lang="ko-KR" altLang="en-US" dirty="0">
+                <a:latin typeface="Times New Roman" panose="02020603050405020304" pitchFamily="18" charset="0"/>
+                <a:cs typeface="Times New Roman" panose="02020603050405020304" pitchFamily="18" charset="0"/>
+              </a:rPr>
+              <a:t>를 생성할 수 있는 일종의 </a:t>
+            </a:r>
+            <a:r>
+              <a:rPr lang="en-US" altLang="ko-KR" dirty="0">
+                <a:latin typeface="Times New Roman" panose="02020603050405020304" pitchFamily="18" charset="0"/>
+                <a:cs typeface="Times New Roman" panose="02020603050405020304" pitchFamily="18" charset="0"/>
+              </a:rPr>
+              <a:t>image </a:t>
+            </a:r>
+            <a:r>
+              <a:rPr lang="ko-KR" altLang="en-US" dirty="0">
+                <a:latin typeface="Times New Roman" panose="02020603050405020304" pitchFamily="18" charset="0"/>
+                <a:cs typeface="Times New Roman" panose="02020603050405020304" pitchFamily="18" charset="0"/>
+              </a:rPr>
+              <a:t>스크립트</a:t>
+            </a:r>
+            <a:r>
+              <a:rPr lang="en-US" altLang="ko-KR" dirty="0">
+                <a:latin typeface="Times New Roman" panose="02020603050405020304" pitchFamily="18" charset="0"/>
+                <a:cs typeface="Times New Roman" panose="02020603050405020304" pitchFamily="18" charset="0"/>
+              </a:rPr>
+              <a:t>.</a:t>
+            </a:r>
+          </a:p>
+          <a:p>
+            <a:pPr>
+              <a:buFont typeface="Wingdings" panose="05000000000000000000" pitchFamily="2" charset="2"/>
+              <a:buChar char="§"/>
+            </a:pPr>
+            <a:endParaRPr lang="en-US" altLang="ko-KR" dirty="0">
+              <a:latin typeface="Times New Roman" panose="02020603050405020304" pitchFamily="18" charset="0"/>
+              <a:cs typeface="Times New Roman" panose="02020603050405020304" pitchFamily="18" charset="0"/>
+            </a:endParaRPr>
+          </a:p>
+          <a:p>
+            <a:pPr>
+              <a:buFont typeface="Wingdings" panose="05000000000000000000" pitchFamily="2" charset="2"/>
+              <a:buChar char="§"/>
             </a:pPr>
             <a:r>
               <a:rPr lang="en-US" altLang="ko-KR" dirty="0" err="1">
@@ -10700,27 +10810,27 @@
                 <a:latin typeface="Times New Roman" panose="02020603050405020304" pitchFamily="18" charset="0"/>
                 <a:cs typeface="Times New Roman" panose="02020603050405020304" pitchFamily="18" charset="0"/>
               </a:rPr>
-              <a:t> language reference</a:t>
-            </a:r>
-          </a:p>
-          <a:p>
-            <a:pPr marL="457200" lvl="1" indent="0">
-              <a:buNone/>
-            </a:pPr>
+              <a:t> language reference :</a:t>
+            </a:r>
             <a:r>
               <a:rPr lang="en-US" altLang="ko-KR" sz="1600" dirty="0">
                 <a:latin typeface="Times New Roman" panose="02020603050405020304" pitchFamily="18" charset="0"/>
                 <a:cs typeface="Times New Roman" panose="02020603050405020304" pitchFamily="18" charset="0"/>
               </a:rPr>
-              <a:t>: </a:t>
+              <a:t> </a:t>
             </a:r>
             <a:r>
               <a:rPr lang="en-US" altLang="ko-KR" sz="1600" dirty="0">
+                <a:latin typeface="Times New Roman" panose="02020603050405020304" pitchFamily="18" charset="0"/>
+                <a:cs typeface="Times New Roman" panose="02020603050405020304" pitchFamily="18" charset="0"/>
                 <a:hlinkClick r:id="rId2"/>
               </a:rPr>
               <a:t>https://www.daleseo.com/dockerfile/</a:t>
             </a:r>
-            <a:endParaRPr lang="en-US" altLang="ko-KR" sz="1600" dirty="0"/>
+            <a:endParaRPr lang="en-US" altLang="ko-KR" sz="1600" dirty="0">
+              <a:latin typeface="Times New Roman" panose="02020603050405020304" pitchFamily="18" charset="0"/>
+              <a:cs typeface="Times New Roman" panose="02020603050405020304" pitchFamily="18" charset="0"/>
+            </a:endParaRPr>
           </a:p>
           <a:p>
             <a:pPr marL="457200" lvl="1" indent="0">
@@ -11001,7 +11111,7 @@
                 <a:latin typeface="Times New Roman" panose="02020603050405020304" pitchFamily="18" charset="0"/>
                 <a:cs typeface="Times New Roman" panose="02020603050405020304" pitchFamily="18" charset="0"/>
               </a:rPr>
-              <a:t>Image</a:t>
+              <a:t>image</a:t>
             </a:r>
             <a:r>
               <a:rPr lang="ko-KR" altLang="en-US" dirty="0">
@@ -11334,7 +11444,7 @@
                   <a:schemeClr val="accent1"/>
                 </a:solidFill>
               </a:rPr>
-              <a:t>Image</a:t>
+              <a:t>image</a:t>
             </a:r>
             <a:r>
               <a:rPr lang="ko-KR" altLang="en-US" sz="1200" b="1" dirty="0">
@@ -11445,7 +11555,7 @@
                   <a:schemeClr val="accent1"/>
                 </a:solidFill>
               </a:rPr>
-              <a:t>경로 내부에 </a:t>
+              <a:t>파일 내부에 </a:t>
             </a:r>
             <a:r>
               <a:rPr lang="en-US" altLang="ko-KR" sz="1200" b="1" dirty="0" err="1">
